--- a/Proposal Submissions/devmonks.pptx
+++ b/Proposal Submissions/devmonks.pptx
@@ -16900,6 +16900,107 @@
               <a:sym typeface="Calibri"/>
             </a:endParaRPr>
           </a:p>
+          <a:p>
+            <a:pPr indent="0" lvl="0" marL="0" rtl="0" algn="l">
+              <a:spcBef>
+                <a:spcPts val="0"/>
+              </a:spcBef>
+              <a:spcAft>
+                <a:spcPts val="0"/>
+              </a:spcAft>
+              <a:buNone/>
+            </a:pPr>
+            <a:r>
+              <a:t/>
+            </a:r>
+            <a:endParaRPr sz="1600">
+              <a:solidFill>
+                <a:schemeClr val="dk1"/>
+              </a:solidFill>
+              <a:latin typeface="Calibri"/>
+              <a:ea typeface="Calibri"/>
+              <a:cs typeface="Calibri"/>
+              <a:sym typeface="Calibri"/>
+            </a:endParaRPr>
+          </a:p>
+          <a:p>
+            <a:pPr indent="0" lvl="0" marL="0" rtl="0" algn="l">
+              <a:spcBef>
+                <a:spcPts val="0"/>
+              </a:spcBef>
+              <a:spcAft>
+                <a:spcPts val="0"/>
+              </a:spcAft>
+              <a:buNone/>
+            </a:pPr>
+            <a:r>
+              <a:rPr lang="en" sz="1600">
+                <a:solidFill>
+                  <a:schemeClr val="dk1"/>
+                </a:solidFill>
+                <a:latin typeface="Calibri"/>
+                <a:ea typeface="Calibri"/>
+                <a:cs typeface="Calibri"/>
+                <a:sym typeface="Calibri"/>
+              </a:rPr>
+              <a:t>User can fine tune the model according to their physical and mental goals.</a:t>
+            </a:r>
+            <a:br>
+              <a:rPr lang="en" sz="1600">
+                <a:solidFill>
+                  <a:schemeClr val="dk1"/>
+                </a:solidFill>
+                <a:latin typeface="Calibri"/>
+                <a:ea typeface="Calibri"/>
+                <a:cs typeface="Calibri"/>
+                <a:sym typeface="Calibri"/>
+              </a:rPr>
+            </a:br>
+            <a:r>
+              <a:rPr lang="en" sz="1600">
+                <a:solidFill>
+                  <a:schemeClr val="dk1"/>
+                </a:solidFill>
+                <a:latin typeface="Calibri"/>
+                <a:ea typeface="Calibri"/>
+                <a:cs typeface="Calibri"/>
+                <a:sym typeface="Calibri"/>
+              </a:rPr>
+              <a:t>They can set goals for each of their agents (for fitness, nutritionist and counsellor)</a:t>
+            </a:r>
+            <a:endParaRPr sz="1600">
+              <a:solidFill>
+                <a:schemeClr val="dk1"/>
+              </a:solidFill>
+              <a:latin typeface="Calibri"/>
+              <a:ea typeface="Calibri"/>
+              <a:cs typeface="Calibri"/>
+              <a:sym typeface="Calibri"/>
+            </a:endParaRPr>
+          </a:p>
+          <a:p>
+            <a:pPr indent="0" lvl="0" marL="0" rtl="0" algn="l">
+              <a:spcBef>
+                <a:spcPts val="0"/>
+              </a:spcBef>
+              <a:spcAft>
+                <a:spcPts val="0"/>
+              </a:spcAft>
+              <a:buNone/>
+            </a:pPr>
+            <a:r>
+              <a:t/>
+            </a:r>
+            <a:endParaRPr sz="1600">
+              <a:solidFill>
+                <a:schemeClr val="dk1"/>
+              </a:solidFill>
+              <a:latin typeface="Calibri"/>
+              <a:ea typeface="Calibri"/>
+              <a:cs typeface="Calibri"/>
+              <a:sym typeface="Calibri"/>
+            </a:endParaRPr>
+          </a:p>
         </p:txBody>
       </p:sp>
     </p:spTree>
@@ -17481,9 +17582,9 @@
 </file>
 
 <file path=ppt/theme/theme1.xml><?xml version="1.0" encoding="utf-8"?>
-<a:theme xmlns:a="http://schemas.openxmlformats.org/drawingml/2006/main" xmlns:r="http://schemas.openxmlformats.org/officeDocument/2006/relationships">
+<a:theme xmlns:a="http://schemas.openxmlformats.org/drawingml/2006/main" xmlns:r="http://schemas.openxmlformats.org/officeDocument/2006/relationships" name="Office Theme">
   <a:themeElements>
-    <a:clrScheme name="Default">
+    <a:clrScheme name="Office">
       <a:dk1>
         <a:srgbClr val="000000"/>
       </a:dk1>
@@ -17491,34 +17592,34 @@
         <a:srgbClr val="FFFFFF"/>
       </a:lt1>
       <a:dk2>
-        <a:srgbClr val="158158"/>
+        <a:srgbClr val="1F497D"/>
       </a:dk2>
       <a:lt2>
-        <a:srgbClr val="F3F3F3"/>
+        <a:srgbClr val="EEECE1"/>
       </a:lt2>
       <a:accent1>
-        <a:srgbClr val="058DC7"/>
+        <a:srgbClr val="4F81BD"/>
       </a:accent1>
       <a:accent2>
-        <a:srgbClr val="50B432"/>
+        <a:srgbClr val="C0504D"/>
       </a:accent2>
       <a:accent3>
-        <a:srgbClr val="ED561B"/>
+        <a:srgbClr val="9BBB59"/>
       </a:accent3>
       <a:accent4>
-        <a:srgbClr val="EDEF00"/>
+        <a:srgbClr val="8064A2"/>
       </a:accent4>
       <a:accent5>
-        <a:srgbClr val="24CBE5"/>
+        <a:srgbClr val="4BACC6"/>
       </a:accent5>
       <a:accent6>
-        <a:srgbClr val="64E572"/>
+        <a:srgbClr val="F79646"/>
       </a:accent6>
       <a:hlink>
-        <a:srgbClr val="2200CC"/>
+        <a:srgbClr val="0000FF"/>
       </a:hlink>
       <a:folHlink>
-        <a:srgbClr val="551A8B"/>
+        <a:srgbClr val="800080"/>
       </a:folHlink>
     </a:clrScheme>
     <a:fontScheme name="Office">
@@ -18039,9 +18140,9 @@
 </file>
 
 <file path=ppt/theme/theme3.xml><?xml version="1.0" encoding="utf-8"?>
-<a:theme xmlns:a="http://schemas.openxmlformats.org/drawingml/2006/main" xmlns:r="http://schemas.openxmlformats.org/officeDocument/2006/relationships" name="Office Theme">
+<a:theme xmlns:a="http://schemas.openxmlformats.org/drawingml/2006/main" xmlns:r="http://schemas.openxmlformats.org/officeDocument/2006/relationships">
   <a:themeElements>
-    <a:clrScheme name="Office">
+    <a:clrScheme name="Default">
       <a:dk1>
         <a:srgbClr val="000000"/>
       </a:dk1>
@@ -18049,34 +18150,34 @@
         <a:srgbClr val="FFFFFF"/>
       </a:lt1>
       <a:dk2>
-        <a:srgbClr val="1F497D"/>
+        <a:srgbClr val="158158"/>
       </a:dk2>
       <a:lt2>
-        <a:srgbClr val="EEECE1"/>
+        <a:srgbClr val="F3F3F3"/>
       </a:lt2>
       <a:accent1>
-        <a:srgbClr val="4F81BD"/>
+        <a:srgbClr val="058DC7"/>
       </a:accent1>
       <a:accent2>
-        <a:srgbClr val="C0504D"/>
+        <a:srgbClr val="50B432"/>
       </a:accent2>
       <a:accent3>
-        <a:srgbClr val="9BBB59"/>
+        <a:srgbClr val="ED561B"/>
       </a:accent3>
       <a:accent4>
-        <a:srgbClr val="8064A2"/>
+        <a:srgbClr val="EDEF00"/>
       </a:accent4>
       <a:accent5>
-        <a:srgbClr val="4BACC6"/>
+        <a:srgbClr val="24CBE5"/>
       </a:accent5>
       <a:accent6>
-        <a:srgbClr val="F79646"/>
+        <a:srgbClr val="64E572"/>
       </a:accent6>
       <a:hlink>
-        <a:srgbClr val="0000FF"/>
+        <a:srgbClr val="2200CC"/>
       </a:hlink>
       <a:folHlink>
-        <a:srgbClr val="800080"/>
+        <a:srgbClr val="551A8B"/>
       </a:folHlink>
     </a:clrScheme>
     <a:fontScheme name="Office">
